--- a/DsDotNet/src/UnitTest/UnitTest.Model/ImportOfficeExample/Sample/Sub/Sub/Sub/RH.pptx
+++ b/DsDotNet/src/UnitTest/UnitTest.Model/ImportOfficeExample/Sample/Sub/Sub/Sub/RH.pptx
@@ -217,7 +217,7 @@
           <a:p>
             <a:fld id="{DD503887-5801-43A0-AEF9-041E8DDC2558}" type="datetimeFigureOut">
               <a:rPr lang="ko-KR" altLang="en-US" smtClean="0"/>
-              <a:t>2023-11-02</a:t>
+              <a:t>2023-11-05</a:t>
             </a:fld>
             <a:endParaRPr lang="ko-KR" altLang="en-US" dirty="0"/>
           </a:p>
@@ -394,7 +394,7 @@
           <a:p>
             <a:fld id="{95336A0E-57B1-4D4C-BD9B-2F72B5943464}" type="datetimeFigureOut">
               <a:rPr lang="ko-KR" altLang="en-US" smtClean="0"/>
-              <a:t>2023-11-02</a:t>
+              <a:t>2023-11-05</a:t>
             </a:fld>
             <a:endParaRPr lang="ko-KR" altLang="en-US" dirty="0"/>
           </a:p>
@@ -1508,7 +1508,7 @@
           <a:p>
             <a:fld id="{C984B0C4-64BA-4E4C-B5E6-A51EE3F6ED95}" type="datetime1">
               <a:rPr lang="ko-KR" altLang="en-US" smtClean="0"/>
-              <a:t>2023-11-02</a:t>
+              <a:t>2023-11-05</a:t>
             </a:fld>
             <a:endParaRPr lang="ko-KR" altLang="en-US" dirty="0"/>
           </a:p>
@@ -7935,7 +7935,7 @@
             <a:p>
               <a:pPr algn="ctr"/>
               <a:r>
-                <a:rPr lang="en-US" altLang="ko-KR" sz="500" b="1">
+                <a:rPr lang="en-US" altLang="ko-KR" sz="500" b="1" dirty="0">
                   <a:solidFill>
                     <a:schemeClr val="tx1"/>
                   </a:solidFill>
@@ -7943,7 +7943,7 @@
                 <a:t>1</a:t>
               </a:r>
               <a:r>
-                <a:rPr lang="en-US" altLang="ko-KR" sz="500" b="1" baseline="30000">
+                <a:rPr lang="en-US" altLang="ko-KR" sz="500" b="1" baseline="30000" dirty="0">
                   <a:solidFill>
                     <a:schemeClr val="tx1"/>
                   </a:solidFill>
@@ -7951,7 +7951,7 @@
                 <a:t>st</a:t>
               </a:r>
               <a:r>
-                <a:rPr lang="en-US" altLang="ko-KR" sz="500" b="1">
+                <a:rPr lang="en-US" altLang="ko-KR" sz="500" b="1" dirty="0">
                   <a:solidFill>
                     <a:schemeClr val="tx1"/>
                   </a:solidFill>
@@ -7959,7 +7959,7 @@
                 <a:t>Clamp</a:t>
               </a:r>
               <a:r>
-                <a:rPr lang="en-US" altLang="ko-KR" sz="800" b="1">
+                <a:rPr lang="en-US" altLang="ko-KR" sz="800" b="1" dirty="0">
                   <a:solidFill>
                     <a:schemeClr val="tx1"/>
                   </a:solidFill>
@@ -7980,7 +7980,7 @@
                     <a:schemeClr val="tx1"/>
                   </a:solidFill>
                 </a:rPr>
-                <a:t>$RET</a:t>
+                <a:t>.RET</a:t>
               </a:r>
               <a:endParaRPr lang="ko-KR" altLang="en-US" sz="500" b="1" dirty="0">
                 <a:solidFill>
@@ -8039,7 +8039,7 @@
             <a:p>
               <a:pPr algn="ctr"/>
               <a:r>
-                <a:rPr lang="en-US" altLang="ko-KR" sz="500" b="1">
+                <a:rPr lang="en-US" altLang="ko-KR" sz="500" b="1" dirty="0">
                   <a:solidFill>
                     <a:schemeClr val="tx1"/>
                   </a:solidFill>
@@ -8047,7 +8047,7 @@
                 <a:t>1</a:t>
               </a:r>
               <a:r>
-                <a:rPr lang="en-US" altLang="ko-KR" sz="500" b="1" baseline="30000">
+                <a:rPr lang="en-US" altLang="ko-KR" sz="500" b="1" baseline="30000" dirty="0">
                   <a:solidFill>
                     <a:schemeClr val="tx1"/>
                   </a:solidFill>
@@ -8055,7 +8055,7 @@
                 <a:t>st</a:t>
               </a:r>
               <a:r>
-                <a:rPr lang="en-US" altLang="ko-KR" sz="500" b="1">
+                <a:rPr lang="en-US" altLang="ko-KR" sz="500" b="1" dirty="0">
                   <a:solidFill>
                     <a:schemeClr val="tx1"/>
                   </a:solidFill>
@@ -8063,7 +8063,7 @@
                 <a:t>Clamp</a:t>
               </a:r>
               <a:r>
-                <a:rPr lang="en-US" altLang="ko-KR" sz="800" b="1">
+                <a:rPr lang="en-US" altLang="ko-KR" sz="800" b="1" dirty="0">
                   <a:solidFill>
                     <a:schemeClr val="tx1"/>
                   </a:solidFill>
@@ -8084,7 +8084,7 @@
                     <a:schemeClr val="tx1"/>
                   </a:solidFill>
                 </a:rPr>
-                <a:t>$ADV</a:t>
+                <a:t>.ADV</a:t>
               </a:r>
               <a:endParaRPr lang="ko-KR" altLang="en-US" sz="500" b="1" dirty="0">
                 <a:solidFill>
@@ -8143,7 +8143,7 @@
             <a:p>
               <a:pPr algn="ctr"/>
               <a:r>
-                <a:rPr lang="en-US" altLang="ko-KR" sz="500" b="1">
+                <a:rPr lang="en-US" altLang="ko-KR" sz="500" b="1" dirty="0">
                   <a:solidFill>
                     <a:schemeClr val="tx1"/>
                   </a:solidFill>
@@ -8151,7 +8151,7 @@
                 <a:t>2</a:t>
               </a:r>
               <a:r>
-                <a:rPr lang="en-US" altLang="ko-KR" sz="500" b="1" baseline="30000">
+                <a:rPr lang="en-US" altLang="ko-KR" sz="500" b="1" baseline="30000" dirty="0">
                   <a:solidFill>
                     <a:schemeClr val="tx1"/>
                   </a:solidFill>
@@ -8159,7 +8159,7 @@
                 <a:t>nd</a:t>
               </a:r>
               <a:r>
-                <a:rPr lang="en-US" altLang="ko-KR" sz="500" b="1">
+                <a:rPr lang="en-US" altLang="ko-KR" sz="500" b="1" dirty="0">
                   <a:solidFill>
                     <a:schemeClr val="tx1"/>
                   </a:solidFill>
@@ -8167,7 +8167,7 @@
                 <a:t>Clamp</a:t>
               </a:r>
               <a:r>
-                <a:rPr lang="en-US" altLang="ko-KR" sz="800" b="1">
+                <a:rPr lang="en-US" altLang="ko-KR" sz="800" b="1" dirty="0">
                   <a:solidFill>
                     <a:schemeClr val="tx1"/>
                   </a:solidFill>
@@ -8188,7 +8188,7 @@
                     <a:schemeClr val="tx1"/>
                   </a:solidFill>
                 </a:rPr>
-                <a:t>$RET</a:t>
+                <a:t>.RET</a:t>
               </a:r>
               <a:endParaRPr lang="ko-KR" altLang="en-US" sz="500" b="1" dirty="0">
                 <a:solidFill>
@@ -8247,7 +8247,7 @@
             <a:p>
               <a:pPr algn="ctr"/>
               <a:r>
-                <a:rPr lang="en-US" altLang="ko-KR" sz="500" b="1">
+                <a:rPr lang="en-US" altLang="ko-KR" sz="500" b="1" dirty="0">
                   <a:solidFill>
                     <a:schemeClr val="tx1"/>
                   </a:solidFill>
@@ -8255,7 +8255,7 @@
                 <a:t>2</a:t>
               </a:r>
               <a:r>
-                <a:rPr lang="en-US" altLang="ko-KR" sz="500" b="1" baseline="30000">
+                <a:rPr lang="en-US" altLang="ko-KR" sz="500" b="1" baseline="30000" dirty="0">
                   <a:solidFill>
                     <a:schemeClr val="tx1"/>
                   </a:solidFill>
@@ -8263,7 +8263,7 @@
                 <a:t>nd</a:t>
               </a:r>
               <a:r>
-                <a:rPr lang="en-US" altLang="ko-KR" sz="500" b="1">
+                <a:rPr lang="en-US" altLang="ko-KR" sz="500" b="1" dirty="0">
                   <a:solidFill>
                     <a:schemeClr val="tx1"/>
                   </a:solidFill>
@@ -8271,7 +8271,7 @@
                 <a:t>Clamp</a:t>
               </a:r>
               <a:r>
-                <a:rPr lang="en-US" altLang="ko-KR" sz="800" b="1">
+                <a:rPr lang="en-US" altLang="ko-KR" sz="800" b="1" dirty="0">
                   <a:solidFill>
                     <a:schemeClr val="tx1"/>
                   </a:solidFill>
@@ -8292,7 +8292,7 @@
                     <a:schemeClr val="tx1"/>
                   </a:solidFill>
                 </a:rPr>
-                <a:t>$ADV</a:t>
+                <a:t>.ADV</a:t>
               </a:r>
               <a:endParaRPr lang="ko-KR" altLang="en-US" sz="500" b="1" dirty="0">
                 <a:solidFill>
@@ -8351,7 +8351,7 @@
             <a:p>
               <a:pPr algn="ctr"/>
               <a:r>
-                <a:rPr lang="en-US" altLang="ko-KR" sz="500" b="1">
+                <a:rPr lang="en-US" altLang="ko-KR" sz="500" b="1" dirty="0">
                   <a:solidFill>
                     <a:schemeClr val="tx1"/>
                   </a:solidFill>
@@ -8359,7 +8359,7 @@
                 <a:t>Pin</a:t>
               </a:r>
               <a:r>
-                <a:rPr lang="en-US" altLang="ko-KR" sz="800" b="1">
+                <a:rPr lang="en-US" altLang="ko-KR" sz="800" b="1" dirty="0">
                   <a:solidFill>
                     <a:schemeClr val="tx1"/>
                   </a:solidFill>
@@ -8380,7 +8380,7 @@
                     <a:schemeClr val="tx1"/>
                   </a:solidFill>
                 </a:rPr>
-                <a:t>$RET</a:t>
+                <a:t>.RET</a:t>
               </a:r>
               <a:endParaRPr lang="ko-KR" altLang="en-US" sz="500" b="1" dirty="0">
                 <a:solidFill>
@@ -8439,7 +8439,7 @@
             <a:p>
               <a:pPr algn="ctr"/>
               <a:r>
-                <a:rPr lang="en-US" altLang="ko-KR" sz="500" b="1">
+                <a:rPr lang="en-US" altLang="ko-KR" sz="500" b="1" dirty="0">
                   <a:solidFill>
                     <a:schemeClr val="tx1"/>
                   </a:solidFill>
@@ -8447,7 +8447,7 @@
                 <a:t>Pin</a:t>
               </a:r>
               <a:r>
-                <a:rPr lang="en-US" altLang="ko-KR" sz="800" b="1">
+                <a:rPr lang="en-US" altLang="ko-KR" sz="800" b="1" dirty="0">
                   <a:solidFill>
                     <a:schemeClr val="tx1"/>
                   </a:solidFill>
@@ -8468,7 +8468,7 @@
                     <a:schemeClr val="tx1"/>
                   </a:solidFill>
                 </a:rPr>
-                <a:t>$ADV</a:t>
+                <a:t>.ADV</a:t>
               </a:r>
               <a:endParaRPr lang="ko-KR" altLang="en-US" sz="500" b="1" dirty="0">
                 <a:solidFill>
@@ -8527,7 +8527,7 @@
             <a:p>
               <a:pPr algn="ctr"/>
               <a:r>
-                <a:rPr lang="en-US" altLang="ko-KR" sz="500" b="1">
+                <a:rPr lang="en-US" altLang="ko-KR" sz="500" b="1" dirty="0">
                   <a:solidFill>
                     <a:schemeClr val="tx1"/>
                   </a:solidFill>
@@ -8535,7 +8535,7 @@
                 <a:t>RbtHand</a:t>
               </a:r>
               <a:r>
-                <a:rPr lang="en-US" altLang="ko-KR" sz="800" b="1">
+                <a:rPr lang="en-US" altLang="ko-KR" sz="800" b="1" dirty="0">
                   <a:solidFill>
                     <a:schemeClr val="tx1"/>
                   </a:solidFill>
@@ -8556,7 +8556,7 @@
                     <a:schemeClr val="tx1"/>
                   </a:solidFill>
                 </a:rPr>
-                <a:t>$LOAD</a:t>
+                <a:t>.LOAD</a:t>
               </a:r>
               <a:endParaRPr lang="ko-KR" altLang="en-US" sz="500" b="1" dirty="0">
                 <a:solidFill>
@@ -8615,7 +8615,7 @@
             <a:p>
               <a:pPr algn="ctr"/>
               <a:r>
-                <a:rPr lang="en-US" altLang="ko-KR" sz="500" b="1">
+                <a:rPr lang="en-US" altLang="ko-KR" sz="500" b="1" dirty="0">
                   <a:solidFill>
                     <a:schemeClr val="tx1"/>
                   </a:solidFill>
@@ -8623,7 +8623,7 @@
                 <a:t>RbtWeld</a:t>
               </a:r>
               <a:r>
-                <a:rPr lang="en-US" altLang="ko-KR" sz="800" b="1">
+                <a:rPr lang="en-US" altLang="ko-KR" sz="800" b="1" dirty="0">
                   <a:solidFill>
                     <a:schemeClr val="tx1"/>
                   </a:solidFill>
@@ -8644,7 +8644,7 @@
                     <a:schemeClr val="tx1"/>
                   </a:solidFill>
                 </a:rPr>
-                <a:t>$WELD</a:t>
+                <a:t>.WELD</a:t>
               </a:r>
               <a:endParaRPr lang="ko-KR" altLang="en-US" sz="500" b="1" dirty="0">
                 <a:solidFill>
@@ -8732,7 +8732,7 @@
                     <a:schemeClr val="tx1"/>
                   </a:solidFill>
                 </a:rPr>
-                <a:t>$MOVE</a:t>
+                <a:t>.MOVE</a:t>
               </a:r>
               <a:endParaRPr lang="ko-KR" altLang="en-US" sz="500" b="1" dirty="0">
                 <a:solidFill>
@@ -8791,7 +8791,7 @@
             <a:p>
               <a:pPr algn="ctr"/>
               <a:r>
-                <a:rPr lang="en-US" altLang="ko-KR" sz="500" b="1">
+                <a:rPr lang="en-US" altLang="ko-KR" sz="500" b="1" dirty="0">
                   <a:solidFill>
                     <a:schemeClr val="tx1"/>
                   </a:solidFill>
@@ -8799,7 +8799,7 @@
                 <a:t>RbtHand</a:t>
               </a:r>
               <a:r>
-                <a:rPr lang="en-US" altLang="ko-KR" sz="800" b="1">
+                <a:rPr lang="en-US" altLang="ko-KR" sz="800" b="1" dirty="0">
                   <a:solidFill>
                     <a:schemeClr val="tx1"/>
                   </a:solidFill>
@@ -8820,7 +8820,7 @@
                     <a:schemeClr val="tx1"/>
                   </a:solidFill>
                 </a:rPr>
-                <a:t>$UNLOAD</a:t>
+                <a:t>.UNLOAD</a:t>
               </a:r>
               <a:endParaRPr lang="ko-KR" altLang="en-US" sz="500" b="1" dirty="0">
                 <a:solidFill>
@@ -9424,7 +9424,7 @@
                     <a:schemeClr val="tx1"/>
                   </a:solidFill>
                 </a:rPr>
-                <a:t>$REMOVE</a:t>
+                <a:t>.REMOVE</a:t>
               </a:r>
               <a:endParaRPr lang="ko-KR" altLang="en-US" sz="500" b="1" dirty="0">
                 <a:solidFill>
@@ -9483,7 +9483,7 @@
             <a:p>
               <a:pPr algn="ctr"/>
               <a:r>
-                <a:rPr lang="en-US" altLang="ko-KR" sz="500" b="1">
+                <a:rPr lang="en-US" altLang="ko-KR" sz="500" b="1" dirty="0">
                   <a:solidFill>
                     <a:schemeClr val="tx1"/>
                   </a:solidFill>
@@ -9491,7 +9491,7 @@
                 <a:t>RbtHand</a:t>
               </a:r>
               <a:r>
-                <a:rPr lang="en-US" altLang="ko-KR" sz="800" b="1">
+                <a:rPr lang="en-US" altLang="ko-KR" sz="800" b="1" dirty="0">
                   <a:solidFill>
                     <a:schemeClr val="tx1"/>
                   </a:solidFill>
@@ -9512,7 +9512,7 @@
                     <a:schemeClr val="tx1"/>
                   </a:solidFill>
                 </a:rPr>
-                <a:t>$HOME</a:t>
+                <a:t>.HOME</a:t>
               </a:r>
               <a:endParaRPr lang="ko-KR" altLang="en-US" sz="500" b="1" dirty="0">
                 <a:solidFill>
@@ -9571,7 +9571,7 @@
             <a:p>
               <a:pPr algn="ctr"/>
               <a:r>
-                <a:rPr lang="en-US" altLang="ko-KR" sz="500" b="1">
+                <a:rPr lang="en-US" altLang="ko-KR" sz="500" b="1" dirty="0">
                   <a:solidFill>
                     <a:schemeClr val="tx1"/>
                   </a:solidFill>
@@ -9579,7 +9579,7 @@
                 <a:t>RbtWeld</a:t>
               </a:r>
               <a:r>
-                <a:rPr lang="en-US" altLang="ko-KR" sz="800" b="1">
+                <a:rPr lang="en-US" altLang="ko-KR" sz="800" b="1" dirty="0">
                   <a:solidFill>
                     <a:schemeClr val="tx1"/>
                   </a:solidFill>
@@ -9600,7 +9600,7 @@
                     <a:schemeClr val="tx1"/>
                   </a:solidFill>
                 </a:rPr>
-                <a:t>$HOME</a:t>
+                <a:t>.HOME</a:t>
               </a:r>
               <a:endParaRPr lang="ko-KR" altLang="en-US" sz="500" b="1" dirty="0">
                 <a:solidFill>
@@ -10050,7 +10050,7 @@
                     <a:schemeClr val="tx1"/>
                   </a:solidFill>
                 </a:rPr>
-                <a:t>$RET</a:t>
+                <a:t>.RET</a:t>
               </a:r>
               <a:endParaRPr lang="ko-KR" altLang="en-US" sz="500" b="1" dirty="0">
                 <a:solidFill>
@@ -10154,7 +10154,7 @@
                     <a:schemeClr val="tx1"/>
                   </a:solidFill>
                 </a:rPr>
-                <a:t>$ADV</a:t>
+                <a:t>.ADV</a:t>
               </a:r>
               <a:endParaRPr lang="ko-KR" altLang="en-US" sz="500" b="1" dirty="0">
                 <a:solidFill>
@@ -10258,7 +10258,7 @@
                     <a:schemeClr val="tx1"/>
                   </a:solidFill>
                 </a:rPr>
-                <a:t>$RET</a:t>
+                <a:t>.RET</a:t>
               </a:r>
               <a:endParaRPr lang="ko-KR" altLang="en-US" sz="500" b="1" dirty="0">
                 <a:solidFill>
@@ -10362,7 +10362,7 @@
                     <a:schemeClr val="tx1"/>
                   </a:solidFill>
                 </a:rPr>
-                <a:t>$ADV</a:t>
+                <a:t>.ADV</a:t>
               </a:r>
               <a:endParaRPr lang="ko-KR" altLang="en-US" sz="500" b="1" dirty="0">
                 <a:solidFill>
@@ -10450,7 +10450,7 @@
                     <a:schemeClr val="tx1"/>
                   </a:solidFill>
                 </a:rPr>
-                <a:t>$RET</a:t>
+                <a:t>.RET</a:t>
               </a:r>
               <a:endParaRPr lang="ko-KR" altLang="en-US" sz="500" b="1" dirty="0">
                 <a:solidFill>
@@ -10538,7 +10538,7 @@
                     <a:schemeClr val="tx1"/>
                   </a:solidFill>
                 </a:rPr>
-                <a:t>$ADV</a:t>
+                <a:t>.ADV</a:t>
               </a:r>
               <a:endParaRPr lang="ko-KR" altLang="en-US" sz="500" b="1" dirty="0">
                 <a:solidFill>

--- a/DsDotNet/src/UnitTest/UnitTest.Model/ImportOfficeExample/Sample/Sub/Sub/Sub/RH.pptx
+++ b/DsDotNet/src/UnitTest/UnitTest.Model/ImportOfficeExample/Sample/Sub/Sub/Sub/RH.pptx
@@ -11,8 +11,8 @@
     <p:handoutMasterId r:id="rId6"/>
   </p:handoutMasterIdLst>
   <p:sldIdLst>
-    <p:sldId id="627" r:id="rId2"/>
-    <p:sldId id="629" r:id="rId3"/>
+    <p:sldId id="629" r:id="rId2"/>
+    <p:sldId id="627" r:id="rId3"/>
     <p:sldId id="637" r:id="rId4"/>
   </p:sldIdLst>
   <p:sldSz cx="12192000" cy="6858000"/>
@@ -217,7 +217,7 @@
           <a:p>
             <a:fld id="{DD503887-5801-43A0-AEF9-041E8DDC2558}" type="datetimeFigureOut">
               <a:rPr lang="ko-KR" altLang="en-US" smtClean="0"/>
-              <a:t>2023-11-05</a:t>
+              <a:t>2024-05-29</a:t>
             </a:fld>
             <a:endParaRPr lang="ko-KR" altLang="en-US" dirty="0"/>
           </a:p>
@@ -394,7 +394,7 @@
           <a:p>
             <a:fld id="{95336A0E-57B1-4D4C-BD9B-2F72B5943464}" type="datetimeFigureOut">
               <a:rPr lang="ko-KR" altLang="en-US" smtClean="0"/>
-              <a:t>2023-11-05</a:t>
+              <a:t>2024-05-29</a:t>
             </a:fld>
             <a:endParaRPr lang="ko-KR" altLang="en-US" dirty="0"/>
           </a:p>
@@ -1508,7 +1508,7 @@
           <a:p>
             <a:fld id="{C984B0C4-64BA-4E4C-B5E6-A51EE3F6ED95}" type="datetime1">
               <a:rPr lang="ko-KR" altLang="en-US" smtClean="0"/>
-              <a:t>2023-11-05</a:t>
+              <a:t>2024-05-29</a:t>
             </a:fld>
             <a:endParaRPr lang="ko-KR" altLang="en-US" dirty="0"/>
           </a:p>
@@ -2385,6 +2385,143 @@
 </file>
 
 <file path=ppt/slides/slide1.xml><?xml version="1.0" encoding="utf-8"?>
+<p:sld xmlns:a="http://schemas.openxmlformats.org/drawingml/2006/main" xmlns:r="http://schemas.openxmlformats.org/officeDocument/2006/relationships" xmlns:p="http://schemas.openxmlformats.org/presentationml/2006/main">
+  <p:cSld>
+    <p:spTree>
+      <p:nvGrpSpPr>
+        <p:cNvPr id="1" name=""/>
+        <p:cNvGrpSpPr/>
+        <p:nvPr/>
+      </p:nvGrpSpPr>
+      <p:grpSpPr>
+        <a:xfrm>
+          <a:off x="0" y="0"/>
+          <a:ext cx="0" cy="0"/>
+          <a:chOff x="0" y="0"/>
+          <a:chExt cx="0" cy="0"/>
+        </a:xfrm>
+      </p:grpSpPr>
+      <p:sp>
+        <p:nvSpPr>
+          <p:cNvPr id="3" name="제목 2">
+            <a:extLst>
+              <a:ext uri="{FF2B5EF4-FFF2-40B4-BE49-F238E27FC236}">
+                <a16:creationId xmlns:a16="http://schemas.microsoft.com/office/drawing/2014/main" id="{F75989E0-AEB5-2044-9BFD-13B6F8CC9299}"/>
+              </a:ext>
+            </a:extLst>
+          </p:cNvPr>
+          <p:cNvSpPr>
+            <a:spLocks noGrp="1"/>
+          </p:cNvSpPr>
+          <p:nvPr>
+            <p:ph type="ctrTitle"/>
+          </p:nvPr>
+        </p:nvSpPr>
+        <p:spPr/>
+        <p:txBody>
+          <a:bodyPr/>
+          <a:lstStyle/>
+          <a:p>
+            <a:r>
+              <a:rPr lang="en-US" altLang="ko-KR" dirty="0"/>
+              <a:t>RH</a:t>
+            </a:r>
+            <a:endParaRPr lang="ko-KR" altLang="en-US" dirty="0"/>
+          </a:p>
+        </p:txBody>
+      </p:sp>
+      <p:pic>
+        <p:nvPicPr>
+          <p:cNvPr id="9" name="그림 개체 틀 8">
+            <a:extLst>
+              <a:ext uri="{FF2B5EF4-FFF2-40B4-BE49-F238E27FC236}">
+                <a16:creationId xmlns:a16="http://schemas.microsoft.com/office/drawing/2014/main" id="{63A1F6DC-32D7-A7D7-FC5E-F49D4B168390}"/>
+              </a:ext>
+            </a:extLst>
+          </p:cNvPr>
+          <p:cNvPicPr>
+            <a:picLocks noGrp="1" noChangeAspect="1"/>
+          </p:cNvPicPr>
+          <p:nvPr>
+            <p:ph type="pic" sz="quarter" idx="13"/>
+          </p:nvPr>
+        </p:nvPicPr>
+        <p:blipFill>
+          <a:blip r:embed="rId2"/>
+          <a:srcRect t="1031" b="1031"/>
+          <a:stretch/>
+        </p:blipFill>
+        <p:spPr/>
+      </p:pic>
+      <p:sp>
+        <p:nvSpPr>
+          <p:cNvPr id="5" name="텍스트 개체 틀 4">
+            <a:extLst>
+              <a:ext uri="{FF2B5EF4-FFF2-40B4-BE49-F238E27FC236}">
+                <a16:creationId xmlns:a16="http://schemas.microsoft.com/office/drawing/2014/main" id="{61805BFF-C1A3-71FD-F946-106218FE05EB}"/>
+              </a:ext>
+            </a:extLst>
+          </p:cNvPr>
+          <p:cNvSpPr>
+            <a:spLocks noGrp="1"/>
+          </p:cNvSpPr>
+          <p:nvPr>
+            <p:ph type="body" sz="quarter" idx="14"/>
+          </p:nvPr>
+        </p:nvSpPr>
+        <p:spPr/>
+        <p:txBody>
+          <a:bodyPr/>
+          <a:lstStyle/>
+          <a:p>
+            <a:endParaRPr lang="ko-KR" altLang="en-US" dirty="0"/>
+          </a:p>
+        </p:txBody>
+      </p:sp>
+      <p:pic>
+        <p:nvPicPr>
+          <p:cNvPr id="13" name="그림 12">
+            <a:extLst>
+              <a:ext uri="{FF2B5EF4-FFF2-40B4-BE49-F238E27FC236}">
+                <a16:creationId xmlns:a16="http://schemas.microsoft.com/office/drawing/2014/main" id="{28E89565-DAE1-B0B4-244A-31E88461F093}"/>
+              </a:ext>
+            </a:extLst>
+          </p:cNvPr>
+          <p:cNvPicPr>
+            <a:picLocks noChangeAspect="1"/>
+          </p:cNvPicPr>
+          <p:nvPr/>
+        </p:nvPicPr>
+        <p:blipFill>
+          <a:blip r:embed="rId3"/>
+          <a:stretch>
+            <a:fillRect/>
+          </a:stretch>
+        </p:blipFill>
+        <p:spPr>
+          <a:xfrm>
+            <a:off x="7753700" y="3436449"/>
+            <a:ext cx="4056949" cy="2934434"/>
+          </a:xfrm>
+          <a:prstGeom prst="rect">
+            <a:avLst/>
+          </a:prstGeom>
+        </p:spPr>
+      </p:pic>
+    </p:spTree>
+    <p:extLst>
+      <p:ext uri="{BB962C8B-B14F-4D97-AF65-F5344CB8AC3E}">
+        <p14:creationId xmlns:p14="http://schemas.microsoft.com/office/powerpoint/2010/main" val="3592087420"/>
+      </p:ext>
+    </p:extLst>
+  </p:cSld>
+  <p:clrMapOvr>
+    <a:masterClrMapping/>
+  </p:clrMapOvr>
+</p:sld>
+</file>
+
+<file path=ppt/slides/slide2.xml><?xml version="1.0" encoding="utf-8"?>
 <p:sld xmlns:a="http://schemas.openxmlformats.org/drawingml/2006/main" xmlns:r="http://schemas.openxmlformats.org/officeDocument/2006/relationships" xmlns:p="http://schemas.openxmlformats.org/presentationml/2006/main" show="0">
   <p:cSld>
     <p:spTree>
@@ -7357,143 +7494,6 @@
 </p:sld>
 </file>
 
-<file path=ppt/slides/slide2.xml><?xml version="1.0" encoding="utf-8"?>
-<p:sld xmlns:a="http://schemas.openxmlformats.org/drawingml/2006/main" xmlns:r="http://schemas.openxmlformats.org/officeDocument/2006/relationships" xmlns:p="http://schemas.openxmlformats.org/presentationml/2006/main">
-  <p:cSld>
-    <p:spTree>
-      <p:nvGrpSpPr>
-        <p:cNvPr id="1" name=""/>
-        <p:cNvGrpSpPr/>
-        <p:nvPr/>
-      </p:nvGrpSpPr>
-      <p:grpSpPr>
-        <a:xfrm>
-          <a:off x="0" y="0"/>
-          <a:ext cx="0" cy="0"/>
-          <a:chOff x="0" y="0"/>
-          <a:chExt cx="0" cy="0"/>
-        </a:xfrm>
-      </p:grpSpPr>
-      <p:sp>
-        <p:nvSpPr>
-          <p:cNvPr id="3" name="제목 2">
-            <a:extLst>
-              <a:ext uri="{FF2B5EF4-FFF2-40B4-BE49-F238E27FC236}">
-                <a16:creationId xmlns:a16="http://schemas.microsoft.com/office/drawing/2014/main" id="{F75989E0-AEB5-2044-9BFD-13B6F8CC9299}"/>
-              </a:ext>
-            </a:extLst>
-          </p:cNvPr>
-          <p:cNvSpPr>
-            <a:spLocks noGrp="1"/>
-          </p:cNvSpPr>
-          <p:nvPr>
-            <p:ph type="ctrTitle"/>
-          </p:nvPr>
-        </p:nvSpPr>
-        <p:spPr/>
-        <p:txBody>
-          <a:bodyPr/>
-          <a:lstStyle/>
-          <a:p>
-            <a:r>
-              <a:rPr lang="en-US" altLang="ko-KR" dirty="0" err="1"/>
-              <a:t>StationRH</a:t>
-            </a:r>
-            <a:endParaRPr lang="ko-KR" altLang="en-US" dirty="0"/>
-          </a:p>
-        </p:txBody>
-      </p:sp>
-      <p:pic>
-        <p:nvPicPr>
-          <p:cNvPr id="9" name="그림 개체 틀 8">
-            <a:extLst>
-              <a:ext uri="{FF2B5EF4-FFF2-40B4-BE49-F238E27FC236}">
-                <a16:creationId xmlns:a16="http://schemas.microsoft.com/office/drawing/2014/main" id="{63A1F6DC-32D7-A7D7-FC5E-F49D4B168390}"/>
-              </a:ext>
-            </a:extLst>
-          </p:cNvPr>
-          <p:cNvPicPr>
-            <a:picLocks noGrp="1" noChangeAspect="1"/>
-          </p:cNvPicPr>
-          <p:nvPr>
-            <p:ph type="pic" sz="quarter" idx="13"/>
-          </p:nvPr>
-        </p:nvPicPr>
-        <p:blipFill>
-          <a:blip r:embed="rId2"/>
-          <a:srcRect t="1031" b="1031"/>
-          <a:stretch/>
-        </p:blipFill>
-        <p:spPr/>
-      </p:pic>
-      <p:sp>
-        <p:nvSpPr>
-          <p:cNvPr id="5" name="텍스트 개체 틀 4">
-            <a:extLst>
-              <a:ext uri="{FF2B5EF4-FFF2-40B4-BE49-F238E27FC236}">
-                <a16:creationId xmlns:a16="http://schemas.microsoft.com/office/drawing/2014/main" id="{61805BFF-C1A3-71FD-F946-106218FE05EB}"/>
-              </a:ext>
-            </a:extLst>
-          </p:cNvPr>
-          <p:cNvSpPr>
-            <a:spLocks noGrp="1"/>
-          </p:cNvSpPr>
-          <p:nvPr>
-            <p:ph type="body" sz="quarter" idx="14"/>
-          </p:nvPr>
-        </p:nvSpPr>
-        <p:spPr/>
-        <p:txBody>
-          <a:bodyPr/>
-          <a:lstStyle/>
-          <a:p>
-            <a:endParaRPr lang="ko-KR" altLang="en-US" dirty="0"/>
-          </a:p>
-        </p:txBody>
-      </p:sp>
-      <p:pic>
-        <p:nvPicPr>
-          <p:cNvPr id="13" name="그림 12">
-            <a:extLst>
-              <a:ext uri="{FF2B5EF4-FFF2-40B4-BE49-F238E27FC236}">
-                <a16:creationId xmlns:a16="http://schemas.microsoft.com/office/drawing/2014/main" id="{28E89565-DAE1-B0B4-244A-31E88461F093}"/>
-              </a:ext>
-            </a:extLst>
-          </p:cNvPr>
-          <p:cNvPicPr>
-            <a:picLocks noChangeAspect="1"/>
-          </p:cNvPicPr>
-          <p:nvPr/>
-        </p:nvPicPr>
-        <p:blipFill>
-          <a:blip r:embed="rId3"/>
-          <a:stretch>
-            <a:fillRect/>
-          </a:stretch>
-        </p:blipFill>
-        <p:spPr>
-          <a:xfrm>
-            <a:off x="7753700" y="3436449"/>
-            <a:ext cx="4056949" cy="2934434"/>
-          </a:xfrm>
-          <a:prstGeom prst="rect">
-            <a:avLst/>
-          </a:prstGeom>
-        </p:spPr>
-      </p:pic>
-    </p:spTree>
-    <p:extLst>
-      <p:ext uri="{BB962C8B-B14F-4D97-AF65-F5344CB8AC3E}">
-        <p14:creationId xmlns:p14="http://schemas.microsoft.com/office/powerpoint/2010/main" val="3592087420"/>
-      </p:ext>
-    </p:extLst>
-  </p:cSld>
-  <p:clrMapOvr>
-    <a:masterClrMapping/>
-  </p:clrMapOvr>
-</p:sld>
-</file>
-
 <file path=ppt/slides/slide3.xml><?xml version="1.0" encoding="utf-8"?>
 <p:sld xmlns:a="http://schemas.openxmlformats.org/drawingml/2006/main" xmlns:r="http://schemas.openxmlformats.org/officeDocument/2006/relationships" xmlns:p="http://schemas.openxmlformats.org/presentationml/2006/main">
   <p:cSld>
@@ -7802,10 +7802,10 @@
       </p:sp>
       <p:grpSp>
         <p:nvGrpSpPr>
-          <p:cNvPr id="100" name="그룹 99">
+          <p:cNvPr id="40" name="그룹 39">
             <a:extLst>
               <a:ext uri="{FF2B5EF4-FFF2-40B4-BE49-F238E27FC236}">
-                <a16:creationId xmlns:a16="http://schemas.microsoft.com/office/drawing/2014/main" id="{69E771DF-8E9B-D0F6-C0F5-4DBA047AFD3E}"/>
+                <a16:creationId xmlns:a16="http://schemas.microsoft.com/office/drawing/2014/main" id="{01C4862D-A5CC-F371-75D0-9AAEFA7DBEF5}"/>
               </a:ext>
             </a:extLst>
           </p:cNvPr>
@@ -7816,8 +7816,8 @@
           <a:xfrm>
             <a:off x="514079" y="1485968"/>
             <a:ext cx="3086961" cy="3953240"/>
-            <a:chOff x="662941" y="624148"/>
-            <a:chExt cx="5953925" cy="6134792"/>
+            <a:chOff x="514079" y="1485968"/>
+            <a:chExt cx="3086961" cy="3953240"/>
           </a:xfrm>
         </p:grpSpPr>
         <p:sp>
@@ -7834,8 +7834,8 @@
           </p:nvSpPr>
           <p:spPr>
             <a:xfrm>
-              <a:off x="662941" y="624148"/>
-              <a:ext cx="5953925" cy="6134792"/>
+              <a:off x="514079" y="1485968"/>
+              <a:ext cx="3086961" cy="3953240"/>
             </a:xfrm>
             <a:prstGeom prst="rect">
               <a:avLst/>
@@ -7900,8 +7900,8 @@
           </p:nvSpPr>
           <p:spPr>
             <a:xfrm>
-              <a:off x="1312452" y="4260284"/>
-              <a:ext cx="1358136" cy="591039"/>
+              <a:off x="850834" y="3829082"/>
+              <a:ext cx="704160" cy="380864"/>
             </a:xfrm>
             <a:prstGeom prst="ellipse">
               <a:avLst/>
@@ -8004,8 +8004,8 @@
           </p:nvSpPr>
           <p:spPr>
             <a:xfrm>
-              <a:off x="1315973" y="1694939"/>
-              <a:ext cx="1358136" cy="591039"/>
+              <a:off x="852660" y="2175982"/>
+              <a:ext cx="704160" cy="380864"/>
             </a:xfrm>
             <a:prstGeom prst="ellipse">
               <a:avLst/>
@@ -8108,8 +8108,8 @@
           </p:nvSpPr>
           <p:spPr>
             <a:xfrm>
-              <a:off x="1313566" y="3405169"/>
-              <a:ext cx="1358136" cy="591039"/>
+              <a:off x="851412" y="3278049"/>
+              <a:ext cx="704160" cy="380864"/>
             </a:xfrm>
             <a:prstGeom prst="ellipse">
               <a:avLst/>
@@ -8212,8 +8212,8 @@
           </p:nvSpPr>
           <p:spPr>
             <a:xfrm>
-              <a:off x="1315973" y="2550054"/>
-              <a:ext cx="1358136" cy="591039"/>
+              <a:off x="852660" y="2727016"/>
+              <a:ext cx="704160" cy="380864"/>
             </a:xfrm>
             <a:prstGeom prst="ellipse">
               <a:avLst/>
@@ -8316,8 +8316,8 @@
           </p:nvSpPr>
           <p:spPr>
             <a:xfrm>
-              <a:off x="1312452" y="5115399"/>
-              <a:ext cx="1358136" cy="591039"/>
+              <a:off x="850834" y="4380116"/>
+              <a:ext cx="704160" cy="380864"/>
             </a:xfrm>
             <a:prstGeom prst="ellipse">
               <a:avLst/>
@@ -8404,8 +8404,8 @@
           </p:nvSpPr>
           <p:spPr>
             <a:xfrm>
-              <a:off x="1312452" y="5970514"/>
-              <a:ext cx="1358136" cy="591039"/>
+              <a:off x="850834" y="4931149"/>
+              <a:ext cx="704160" cy="380864"/>
             </a:xfrm>
             <a:prstGeom prst="ellipse">
               <a:avLst/>
@@ -8492,8 +8492,8 @@
           </p:nvSpPr>
           <p:spPr>
             <a:xfrm>
-              <a:off x="3519552" y="1257193"/>
-              <a:ext cx="1358136" cy="591039"/>
+              <a:off x="1995160" y="1893900"/>
+              <a:ext cx="704160" cy="380864"/>
             </a:xfrm>
             <a:prstGeom prst="ellipse">
               <a:avLst/>
@@ -8580,8 +8580,8 @@
           </p:nvSpPr>
           <p:spPr>
             <a:xfrm>
-              <a:off x="3570476" y="3714619"/>
-              <a:ext cx="1358136" cy="591039"/>
+              <a:off x="2021563" y="3477457"/>
+              <a:ext cx="704160" cy="380864"/>
             </a:xfrm>
             <a:prstGeom prst="ellipse">
               <a:avLst/>
@@ -8668,8 +8668,8 @@
           </p:nvSpPr>
           <p:spPr>
             <a:xfrm>
-              <a:off x="4928612" y="2704321"/>
-              <a:ext cx="1358136" cy="591039"/>
+              <a:off x="2725723" y="2826425"/>
+              <a:ext cx="704160" cy="380864"/>
             </a:xfrm>
             <a:prstGeom prst="ellipse">
               <a:avLst/>
@@ -8756,8 +8756,8 @@
           </p:nvSpPr>
           <p:spPr>
             <a:xfrm>
-              <a:off x="3570476" y="4870951"/>
-              <a:ext cx="1358136" cy="591039"/>
+              <a:off x="2021563" y="4222594"/>
+              <a:ext cx="704160" cy="380864"/>
             </a:xfrm>
             <a:prstGeom prst="ellipse">
               <a:avLst/>
@@ -8848,8 +8848,8 @@
           </p:nvCxnSpPr>
           <p:spPr>
             <a:xfrm>
-              <a:off x="1995041" y="2285978"/>
-              <a:ext cx="0" cy="264076"/>
+              <a:off x="1204739" y="2556846"/>
+              <a:ext cx="0" cy="170170"/>
             </a:xfrm>
             <a:prstGeom prst="straightConnector1">
               <a:avLst/>
@@ -8891,8 +8891,8 @@
           </p:nvCxnSpPr>
           <p:spPr>
             <a:xfrm flipH="1">
-              <a:off x="1991520" y="3996208"/>
-              <a:ext cx="1114" cy="264076"/>
+              <a:off x="1202914" y="3658912"/>
+              <a:ext cx="578" cy="170170"/>
             </a:xfrm>
             <a:prstGeom prst="straightConnector1">
               <a:avLst/>
@@ -8934,8 +8934,8 @@
           </p:nvCxnSpPr>
           <p:spPr>
             <a:xfrm>
-              <a:off x="1991520" y="4851323"/>
-              <a:ext cx="0" cy="264076"/>
+              <a:off x="1202914" y="4209946"/>
+              <a:ext cx="0" cy="170170"/>
             </a:xfrm>
             <a:prstGeom prst="straightConnector1">
               <a:avLst/>
@@ -8977,8 +8977,8 @@
           </p:nvCxnSpPr>
           <p:spPr>
             <a:xfrm>
-              <a:off x="1991520" y="5706438"/>
-              <a:ext cx="0" cy="264076"/>
+              <a:off x="1202914" y="4760979"/>
+              <a:ext cx="0" cy="170170"/>
             </a:xfrm>
             <a:prstGeom prst="straightConnector1">
               <a:avLst/>
@@ -9020,8 +9020,8 @@
           </p:nvCxnSpPr>
           <p:spPr>
             <a:xfrm flipH="1">
-              <a:off x="4249544" y="3208804"/>
-              <a:ext cx="877962" cy="505815"/>
+              <a:off x="2373643" y="3151512"/>
+              <a:ext cx="455201" cy="325946"/>
             </a:xfrm>
             <a:prstGeom prst="straightConnector1">
               <a:avLst/>
@@ -9063,8 +9063,8 @@
           </p:nvCxnSpPr>
           <p:spPr>
             <a:xfrm>
-              <a:off x="4678794" y="1761676"/>
-              <a:ext cx="448712" cy="1029201"/>
+              <a:off x="2596198" y="2218987"/>
+              <a:ext cx="232646" cy="663214"/>
             </a:xfrm>
             <a:prstGeom prst="straightConnector1">
               <a:avLst/>
@@ -9106,8 +9106,8 @@
           </p:nvCxnSpPr>
           <p:spPr>
             <a:xfrm flipH="1" flipV="1">
-              <a:off x="2674109" y="1990459"/>
-              <a:ext cx="2254503" cy="1009382"/>
+              <a:off x="1556819" y="2366414"/>
+              <a:ext cx="1168903" cy="650442"/>
             </a:xfrm>
             <a:prstGeom prst="straightConnector1">
               <a:avLst/>
@@ -9149,8 +9149,8 @@
           </p:nvCxnSpPr>
           <p:spPr>
             <a:xfrm flipH="1">
-              <a:off x="2674109" y="1552713"/>
-              <a:ext cx="845443" cy="437746"/>
+              <a:off x="1556819" y="2084332"/>
+              <a:ext cx="438341" cy="282082"/>
             </a:xfrm>
             <a:prstGeom prst="straightConnector1">
               <a:avLst/>
@@ -9192,8 +9192,8 @@
           </p:nvCxnSpPr>
           <p:spPr>
             <a:xfrm flipH="1" flipV="1">
-              <a:off x="2671702" y="3700689"/>
-              <a:ext cx="898774" cy="309450"/>
+              <a:off x="1555571" y="3468481"/>
+              <a:ext cx="465992" cy="199409"/>
             </a:xfrm>
             <a:prstGeom prst="straightConnector1">
               <a:avLst/>
@@ -9235,8 +9235,8 @@
           </p:nvCxnSpPr>
           <p:spPr>
             <a:xfrm flipH="1">
-              <a:off x="2670588" y="5166471"/>
-              <a:ext cx="899888" cy="1099563"/>
+              <a:off x="1554994" y="4413026"/>
+              <a:ext cx="466569" cy="708555"/>
             </a:xfrm>
             <a:prstGeom prst="straightConnector1">
               <a:avLst/>
@@ -9278,8 +9278,8 @@
           </p:nvCxnSpPr>
           <p:spPr>
             <a:xfrm>
-              <a:off x="2674109" y="2845574"/>
-              <a:ext cx="1575435" cy="869045"/>
+              <a:off x="1556819" y="2917448"/>
+              <a:ext cx="816824" cy="560010"/>
             </a:xfrm>
             <a:prstGeom prst="straightConnector1">
               <a:avLst/>
@@ -9321,8 +9321,8 @@
           </p:nvCxnSpPr>
           <p:spPr>
             <a:xfrm>
-              <a:off x="2670587" y="4555803"/>
-              <a:ext cx="1098782" cy="401704"/>
+              <a:off x="1554993" y="4019514"/>
+              <a:ext cx="569691" cy="258857"/>
             </a:xfrm>
             <a:prstGeom prst="straightConnector1">
               <a:avLst/>
@@ -9360,8 +9360,8 @@
           </p:nvSpPr>
           <p:spPr>
             <a:xfrm>
-              <a:off x="5078557" y="5238033"/>
-              <a:ext cx="1358136" cy="591039"/>
+              <a:off x="2803465" y="4459140"/>
+              <a:ext cx="704160" cy="380864"/>
             </a:xfrm>
             <a:prstGeom prst="ellipse">
               <a:avLst/>
@@ -9448,8 +9448,8 @@
           </p:nvSpPr>
           <p:spPr>
             <a:xfrm>
-              <a:off x="3558560" y="5973766"/>
-              <a:ext cx="1358136" cy="591039"/>
+              <a:off x="2015385" y="4933244"/>
+              <a:ext cx="704160" cy="380864"/>
             </a:xfrm>
             <a:prstGeom prst="ellipse">
               <a:avLst/>
@@ -9536,8 +9536,8 @@
           </p:nvSpPr>
           <p:spPr>
             <a:xfrm>
-              <a:off x="5149431" y="4315064"/>
-              <a:ext cx="1358136" cy="591039"/>
+              <a:off x="2840212" y="3864382"/>
+              <a:ext cx="704160" cy="380864"/>
             </a:xfrm>
             <a:prstGeom prst="ellipse">
               <a:avLst/>
@@ -9872,10 +9872,10 @@
       </p:cxnSp>
       <p:grpSp>
         <p:nvGrpSpPr>
-          <p:cNvPr id="23" name="그룹 22">
+          <p:cNvPr id="39" name="그룹 38">
             <a:extLst>
               <a:ext uri="{FF2B5EF4-FFF2-40B4-BE49-F238E27FC236}">
-                <a16:creationId xmlns:a16="http://schemas.microsoft.com/office/drawing/2014/main" id="{AD3EF837-0A9B-A51C-D820-6A8AD578C922}"/>
+                <a16:creationId xmlns:a16="http://schemas.microsoft.com/office/drawing/2014/main" id="{A3453963-D5B3-1865-9B81-58B517095ECF}"/>
               </a:ext>
             </a:extLst>
           </p:cNvPr>
@@ -10975,7 +10975,7 @@
             <a:pPr algn="ctr"/>
             <a:r>
               <a:rPr lang="en-US" altLang="ko-KR" sz="900" dirty="0"/>
-              <a:t>[1stClamp02]2</a:t>
+              <a:t>[1stClamp02]</a:t>
             </a:r>
             <a:endParaRPr lang="ko-KR" altLang="en-US" sz="900" dirty="0"/>
           </a:p>
@@ -11273,7 +11273,7 @@
             <a:pPr algn="ctr"/>
             <a:r>
               <a:rPr lang="en-US" altLang="ko-KR" sz="1200" dirty="0"/>
-              <a:t>[CLEAR~]</a:t>
+              <a:t>[CLEAR~ CLEAR]</a:t>
             </a:r>
             <a:endParaRPr lang="ko-KR" altLang="en-US" sz="1200" dirty="0"/>
           </a:p>

--- a/DsDotNet/src/UnitTest/UnitTest.Model/ImportOfficeExample/Sample/Sub/Sub/Sub/RH.pptx
+++ b/DsDotNet/src/UnitTest/UnitTest.Model/ImportOfficeExample/Sample/Sub/Sub/Sub/RH.pptx
@@ -217,7 +217,7 @@
           <a:p>
             <a:fld id="{DD503887-5801-43A0-AEF9-041E8DDC2558}" type="datetimeFigureOut">
               <a:rPr lang="ko-KR" altLang="en-US" smtClean="0"/>
-              <a:t>2024-05-29</a:t>
+              <a:t>2024-07-08</a:t>
             </a:fld>
             <a:endParaRPr lang="ko-KR" altLang="en-US" dirty="0"/>
           </a:p>
@@ -394,7 +394,7 @@
           <a:p>
             <a:fld id="{95336A0E-57B1-4D4C-BD9B-2F72B5943464}" type="datetimeFigureOut">
               <a:rPr lang="ko-KR" altLang="en-US" smtClean="0"/>
-              <a:t>2024-05-29</a:t>
+              <a:t>2024-07-08</a:t>
             </a:fld>
             <a:endParaRPr lang="ko-KR" altLang="en-US" dirty="0"/>
           </a:p>
@@ -1508,7 +1508,7 @@
           <a:p>
             <a:fld id="{C984B0C4-64BA-4E4C-B5E6-A51EE3F6ED95}" type="datetime1">
               <a:rPr lang="ko-KR" altLang="en-US" smtClean="0"/>
-              <a:t>2024-05-29</a:t>
+              <a:t>2024-07-08</a:t>
             </a:fld>
             <a:endParaRPr lang="ko-KR" altLang="en-US" dirty="0"/>
           </a:p>
@@ -7802,10 +7802,10 @@
       </p:sp>
       <p:grpSp>
         <p:nvGrpSpPr>
-          <p:cNvPr id="40" name="그룹 39">
+          <p:cNvPr id="18" name="그룹 17">
             <a:extLst>
               <a:ext uri="{FF2B5EF4-FFF2-40B4-BE49-F238E27FC236}">
-                <a16:creationId xmlns:a16="http://schemas.microsoft.com/office/drawing/2014/main" id="{01C4862D-A5CC-F371-75D0-9AAEFA7DBEF5}"/>
+                <a16:creationId xmlns:a16="http://schemas.microsoft.com/office/drawing/2014/main" id="{DA2BE906-73B0-3408-A20D-CD9F648F2AAD}"/>
               </a:ext>
             </a:extLst>
           </p:cNvPr>
@@ -9872,10 +9872,10 @@
       </p:cxnSp>
       <p:grpSp>
         <p:nvGrpSpPr>
-          <p:cNvPr id="39" name="그룹 38">
+          <p:cNvPr id="9" name="그룹 8">
             <a:extLst>
               <a:ext uri="{FF2B5EF4-FFF2-40B4-BE49-F238E27FC236}">
-                <a16:creationId xmlns:a16="http://schemas.microsoft.com/office/drawing/2014/main" id="{A3453963-D5B3-1865-9B81-58B517095ECF}"/>
+                <a16:creationId xmlns:a16="http://schemas.microsoft.com/office/drawing/2014/main" id="{65959465-AA89-FF3D-D6D7-A0B81EF2E136}"/>
               </a:ext>
             </a:extLst>
           </p:cNvPr>
